--- a/04_Documentazione/SAMTSTOCK.pptx
+++ b/04_Documentazione/SAMTSTOCK.pptx
@@ -8,9 +8,22 @@
     <p:sldId id="256" r:id="rId2"/>
     <p:sldId id="257" r:id="rId3"/>
     <p:sldId id="258" r:id="rId4"/>
-    <p:sldId id="259" r:id="rId5"/>
-    <p:sldId id="260" r:id="rId6"/>
-    <p:sldId id="261" r:id="rId7"/>
+    <p:sldId id="269" r:id="rId5"/>
+    <p:sldId id="264" r:id="rId6"/>
+    <p:sldId id="265" r:id="rId7"/>
+    <p:sldId id="266" r:id="rId8"/>
+    <p:sldId id="267" r:id="rId9"/>
+    <p:sldId id="268" r:id="rId10"/>
+    <p:sldId id="270" r:id="rId11"/>
+    <p:sldId id="271" r:id="rId12"/>
+    <p:sldId id="272" r:id="rId13"/>
+    <p:sldId id="273" r:id="rId14"/>
+    <p:sldId id="274" r:id="rId15"/>
+    <p:sldId id="277" r:id="rId16"/>
+    <p:sldId id="275" r:id="rId17"/>
+    <p:sldId id="276" r:id="rId18"/>
+    <p:sldId id="260" r:id="rId19"/>
+    <p:sldId id="261" r:id="rId20"/>
   </p:sldIdLst>
   <p:sldSz cx="12192000" cy="6858000"/>
   <p:notesSz cx="6858000" cy="9144000"/>
@@ -109,6 +122,11 @@
       </a:defRPr>
     </a:lvl9pPr>
   </p:defaultTextStyle>
+  <p:extLst>
+    <p:ext uri="{EFAFB233-063F-42B5-8137-9DF3F51BA10A}">
+      <p15:sldGuideLst xmlns:p15="http://schemas.microsoft.com/office/powerpoint/2012/main"/>
+    </p:ext>
+  </p:extLst>
 </p:presentation>
 </file>
 
@@ -858,7 +876,7 @@
             <a:fld id="{B61BEF0D-F0BB-DE4B-95CE-6DB70DBA9567}" type="datetimeFigureOut">
               <a:rPr lang="en-US" dirty="0"/>
               <a:pPr/>
-              <a:t>5/12/2018</a:t>
+              <a:t>5/18/2018</a:t>
             </a:fld>
             <a:endParaRPr lang="en-US" dirty="0"/>
           </a:p>
@@ -1106,7 +1124,7 @@
             <a:fld id="{B61BEF0D-F0BB-DE4B-95CE-6DB70DBA9567}" type="datetimeFigureOut">
               <a:rPr lang="en-US" dirty="0"/>
               <a:pPr/>
-              <a:t>5/12/2018</a:t>
+              <a:t>5/18/2018</a:t>
             </a:fld>
             <a:endParaRPr lang="en-US" dirty="0"/>
           </a:p>
@@ -1417,7 +1435,7 @@
             <a:fld id="{B61BEF0D-F0BB-DE4B-95CE-6DB70DBA9567}" type="datetimeFigureOut">
               <a:rPr lang="en-US" dirty="0"/>
               <a:pPr/>
-              <a:t>5/12/2018</a:t>
+              <a:t>5/18/2018</a:t>
             </a:fld>
             <a:endParaRPr lang="en-US" dirty="0"/>
           </a:p>
@@ -1747,7 +1765,7 @@
             <a:fld id="{B61BEF0D-F0BB-DE4B-95CE-6DB70DBA9567}" type="datetimeFigureOut">
               <a:rPr lang="en-US" dirty="0"/>
               <a:pPr/>
-              <a:t>5/12/2018</a:t>
+              <a:t>5/18/2018</a:t>
             </a:fld>
             <a:endParaRPr lang="en-US" dirty="0"/>
           </a:p>
@@ -2058,7 +2076,7 @@
             <a:fld id="{B61BEF0D-F0BB-DE4B-95CE-6DB70DBA9567}" type="datetimeFigureOut">
               <a:rPr lang="en-US" dirty="0"/>
               <a:pPr/>
-              <a:t>5/12/2018</a:t>
+              <a:t>5/18/2018</a:t>
             </a:fld>
             <a:endParaRPr lang="en-US" dirty="0"/>
           </a:p>
@@ -2448,7 +2466,7 @@
             <a:fld id="{B61BEF0D-F0BB-DE4B-95CE-6DB70DBA9567}" type="datetimeFigureOut">
               <a:rPr lang="en-US" dirty="0"/>
               <a:pPr/>
-              <a:t>5/12/2018</a:t>
+              <a:t>5/18/2018</a:t>
             </a:fld>
             <a:endParaRPr lang="en-US" dirty="0"/>
           </a:p>
@@ -2614,7 +2632,7 @@
           <a:p>
             <a:fld id="{55C6B4A9-1611-4792-9094-5F34BCA07E0B}" type="datetimeFigureOut">
               <a:rPr lang="en-US" dirty="0"/>
-              <a:t>5/12/2018</a:t>
+              <a:t>5/18/2018</a:t>
             </a:fld>
             <a:endParaRPr lang="en-US" dirty="0"/>
           </a:p>
@@ -2790,7 +2808,7 @@
             <a:fld id="{B61BEF0D-F0BB-DE4B-95CE-6DB70DBA9567}" type="datetimeFigureOut">
               <a:rPr lang="en-US" dirty="0"/>
               <a:pPr/>
-              <a:t>5/12/2018</a:t>
+              <a:t>5/18/2018</a:t>
             </a:fld>
             <a:endParaRPr lang="en-US" dirty="0"/>
           </a:p>
@@ -2956,7 +2974,7 @@
           <a:p>
             <a:fld id="{42A54C80-263E-416B-A8E0-580EDEADCBDC}" type="datetimeFigureOut">
               <a:rPr lang="en-US" dirty="0"/>
-              <a:t>5/12/2018</a:t>
+              <a:t>5/18/2018</a:t>
             </a:fld>
             <a:endParaRPr lang="en-US" dirty="0"/>
           </a:p>
@@ -3199,7 +3217,7 @@
             <a:fld id="{B61BEF0D-F0BB-DE4B-95CE-6DB70DBA9567}" type="datetimeFigureOut">
               <a:rPr lang="en-US" dirty="0"/>
               <a:pPr/>
-              <a:t>5/12/2018</a:t>
+              <a:t>5/18/2018</a:t>
             </a:fld>
             <a:endParaRPr lang="en-US" dirty="0"/>
           </a:p>
@@ -3427,7 +3445,7 @@
           <a:p>
             <a:fld id="{42A54C80-263E-416B-A8E0-580EDEADCBDC}" type="datetimeFigureOut">
               <a:rPr lang="en-US" dirty="0"/>
-              <a:t>5/12/2018</a:t>
+              <a:t>5/18/2018</a:t>
             </a:fld>
             <a:endParaRPr lang="en-US" dirty="0"/>
           </a:p>
@@ -3797,7 +3815,7 @@
             <a:fld id="{B61BEF0D-F0BB-DE4B-95CE-6DB70DBA9567}" type="datetimeFigureOut">
               <a:rPr lang="en-US" dirty="0"/>
               <a:pPr/>
-              <a:t>5/12/2018</a:t>
+              <a:t>5/18/2018</a:t>
             </a:fld>
             <a:endParaRPr lang="en-US" dirty="0"/>
           </a:p>
@@ -3917,7 +3935,7 @@
             <a:fld id="{B61BEF0D-F0BB-DE4B-95CE-6DB70DBA9567}" type="datetimeFigureOut">
               <a:rPr lang="en-US" dirty="0"/>
               <a:pPr/>
-              <a:t>5/12/2018</a:t>
+              <a:t>5/18/2018</a:t>
             </a:fld>
             <a:endParaRPr lang="en-US" dirty="0"/>
           </a:p>
@@ -4009,7 +4027,7 @@
             <a:fld id="{B61BEF0D-F0BB-DE4B-95CE-6DB70DBA9567}" type="datetimeFigureOut">
               <a:rPr lang="en-US" dirty="0"/>
               <a:pPr/>
-              <a:t>5/12/2018</a:t>
+              <a:t>5/18/2018</a:t>
             </a:fld>
             <a:endParaRPr lang="en-US" dirty="0"/>
           </a:p>
@@ -4260,7 +4278,7 @@
           <a:p>
             <a:fld id="{42A54C80-263E-416B-A8E0-580EDEADCBDC}" type="datetimeFigureOut">
               <a:rPr lang="en-US" dirty="0"/>
-              <a:t>5/12/2018</a:t>
+              <a:t>5/18/2018</a:t>
             </a:fld>
             <a:endParaRPr lang="en-US" dirty="0"/>
           </a:p>
@@ -4562,7 +4580,7 @@
             <a:fld id="{B61BEF0D-F0BB-DE4B-95CE-6DB70DBA9567}" type="datetimeFigureOut">
               <a:rPr lang="en-US" dirty="0"/>
               <a:pPr/>
-              <a:t>5/12/2018</a:t>
+              <a:t>5/18/2018</a:t>
             </a:fld>
             <a:endParaRPr lang="en-US" dirty="0"/>
           </a:p>
@@ -5260,7 +5278,7 @@
             <a:fld id="{B61BEF0D-F0BB-DE4B-95CE-6DB70DBA9567}" type="datetimeFigureOut">
               <a:rPr lang="en-US" dirty="0"/>
               <a:pPr/>
-              <a:t>5/12/2018</a:t>
+              <a:t>5/18/2018</a:t>
             </a:fld>
             <a:endParaRPr lang="en-US" dirty="0"/>
           </a:p>
@@ -5839,6 +5857,981 @@
 </p:sld>
 </file>
 
+<file path=ppt/slides/slide10.xml><?xml version="1.0" encoding="utf-8"?>
+<p:sld xmlns:a="http://schemas.openxmlformats.org/drawingml/2006/main" xmlns:r="http://schemas.openxmlformats.org/officeDocument/2006/relationships" xmlns:p="http://schemas.openxmlformats.org/presentationml/2006/main">
+  <p:cSld>
+    <p:spTree>
+      <p:nvGrpSpPr>
+        <p:cNvPr id="1" name=""/>
+        <p:cNvGrpSpPr/>
+        <p:nvPr/>
+      </p:nvGrpSpPr>
+      <p:grpSpPr>
+        <a:xfrm>
+          <a:off x="0" y="0"/>
+          <a:ext cx="0" cy="0"/>
+          <a:chOff x="0" y="0"/>
+          <a:chExt cx="0" cy="0"/>
+        </a:xfrm>
+      </p:grpSpPr>
+      <p:sp>
+        <p:nvSpPr>
+          <p:cNvPr id="2" name="Title 1"/>
+          <p:cNvSpPr>
+            <a:spLocks noGrp="1"/>
+          </p:cNvSpPr>
+          <p:nvPr>
+            <p:ph type="title"/>
+          </p:nvPr>
+        </p:nvSpPr>
+        <p:spPr/>
+        <p:txBody>
+          <a:bodyPr/>
+          <a:lstStyle/>
+          <a:p>
+            <a:r>
+              <a:rPr lang="it-CH" dirty="0" smtClean="0"/>
+              <a:t>Funzioni aggiunte</a:t>
+            </a:r>
+            <a:endParaRPr lang="it-CH" dirty="0"/>
+          </a:p>
+        </p:txBody>
+      </p:sp>
+      <p:pic>
+        <p:nvPicPr>
+          <p:cNvPr id="7" name="Content Placeholder 6"/>
+          <p:cNvPicPr>
+            <a:picLocks noGrp="1" noChangeAspect="1"/>
+          </p:cNvPicPr>
+          <p:nvPr>
+            <p:ph idx="1"/>
+          </p:nvPr>
+        </p:nvPicPr>
+        <p:blipFill>
+          <a:blip r:embed="rId2"/>
+          <a:stretch>
+            <a:fillRect/>
+          </a:stretch>
+        </p:blipFill>
+        <p:spPr>
+          <a:xfrm>
+            <a:off x="1066434" y="1270000"/>
+            <a:ext cx="7818468" cy="4864916"/>
+          </a:xfrm>
+          <a:prstGeom prst="rect">
+            <a:avLst/>
+          </a:prstGeom>
+          <a:ln>
+            <a:solidFill>
+              <a:srgbClr val="6F81AC"/>
+            </a:solidFill>
+          </a:ln>
+        </p:spPr>
+      </p:pic>
+    </p:spTree>
+    <p:extLst>
+      <p:ext uri="{BB962C8B-B14F-4D97-AF65-F5344CB8AC3E}">
+        <p14:creationId xmlns:p14="http://schemas.microsoft.com/office/powerpoint/2010/main" val="3036404346"/>
+      </p:ext>
+    </p:extLst>
+  </p:cSld>
+  <p:clrMapOvr>
+    <a:masterClrMapping/>
+  </p:clrMapOvr>
+</p:sld>
+</file>
+
+<file path=ppt/slides/slide11.xml><?xml version="1.0" encoding="utf-8"?>
+<p:sld xmlns:a="http://schemas.openxmlformats.org/drawingml/2006/main" xmlns:r="http://schemas.openxmlformats.org/officeDocument/2006/relationships" xmlns:p="http://schemas.openxmlformats.org/presentationml/2006/main">
+  <p:cSld>
+    <p:spTree>
+      <p:nvGrpSpPr>
+        <p:cNvPr id="1" name=""/>
+        <p:cNvGrpSpPr/>
+        <p:nvPr/>
+      </p:nvGrpSpPr>
+      <p:grpSpPr>
+        <a:xfrm>
+          <a:off x="0" y="0"/>
+          <a:ext cx="0" cy="0"/>
+          <a:chOff x="0" y="0"/>
+          <a:chExt cx="0" cy="0"/>
+        </a:xfrm>
+      </p:grpSpPr>
+      <p:sp>
+        <p:nvSpPr>
+          <p:cNvPr id="2" name="Title 1"/>
+          <p:cNvSpPr>
+            <a:spLocks noGrp="1"/>
+          </p:cNvSpPr>
+          <p:nvPr>
+            <p:ph type="title"/>
+          </p:nvPr>
+        </p:nvSpPr>
+        <p:spPr/>
+        <p:txBody>
+          <a:bodyPr/>
+          <a:lstStyle/>
+          <a:p>
+            <a:r>
+              <a:rPr lang="it-CH" dirty="0" smtClean="0"/>
+              <a:t>Funzioni aggiunte</a:t>
+            </a:r>
+            <a:endParaRPr lang="it-CH" dirty="0"/>
+          </a:p>
+        </p:txBody>
+      </p:sp>
+      <p:pic>
+        <p:nvPicPr>
+          <p:cNvPr id="10" name="Content Placeholder 9"/>
+          <p:cNvPicPr>
+            <a:picLocks noGrp="1" noChangeAspect="1"/>
+          </p:cNvPicPr>
+          <p:nvPr>
+            <p:ph idx="1"/>
+          </p:nvPr>
+        </p:nvPicPr>
+        <p:blipFill>
+          <a:blip r:embed="rId2"/>
+          <a:stretch>
+            <a:fillRect/>
+          </a:stretch>
+        </p:blipFill>
+        <p:spPr>
+          <a:xfrm>
+            <a:off x="2011128" y="1270000"/>
+            <a:ext cx="5929080" cy="5288690"/>
+          </a:xfrm>
+          <a:prstGeom prst="rect">
+            <a:avLst/>
+          </a:prstGeom>
+          <a:ln>
+            <a:solidFill>
+              <a:srgbClr val="6F81AC"/>
+            </a:solidFill>
+          </a:ln>
+        </p:spPr>
+      </p:pic>
+    </p:spTree>
+    <p:extLst>
+      <p:ext uri="{BB962C8B-B14F-4D97-AF65-F5344CB8AC3E}">
+        <p14:creationId xmlns:p14="http://schemas.microsoft.com/office/powerpoint/2010/main" val="1213731757"/>
+      </p:ext>
+    </p:extLst>
+  </p:cSld>
+  <p:clrMapOvr>
+    <a:masterClrMapping/>
+  </p:clrMapOvr>
+</p:sld>
+</file>
+
+<file path=ppt/slides/slide12.xml><?xml version="1.0" encoding="utf-8"?>
+<p:sld xmlns:a="http://schemas.openxmlformats.org/drawingml/2006/main" xmlns:r="http://schemas.openxmlformats.org/officeDocument/2006/relationships" xmlns:p="http://schemas.openxmlformats.org/presentationml/2006/main">
+  <p:cSld>
+    <p:spTree>
+      <p:nvGrpSpPr>
+        <p:cNvPr id="1" name=""/>
+        <p:cNvGrpSpPr/>
+        <p:nvPr/>
+      </p:nvGrpSpPr>
+      <p:grpSpPr>
+        <a:xfrm>
+          <a:off x="0" y="0"/>
+          <a:ext cx="0" cy="0"/>
+          <a:chOff x="0" y="0"/>
+          <a:chExt cx="0" cy="0"/>
+        </a:xfrm>
+      </p:grpSpPr>
+      <p:sp>
+        <p:nvSpPr>
+          <p:cNvPr id="2" name="Title 1"/>
+          <p:cNvSpPr>
+            <a:spLocks noGrp="1"/>
+          </p:cNvSpPr>
+          <p:nvPr>
+            <p:ph type="title"/>
+          </p:nvPr>
+        </p:nvSpPr>
+        <p:spPr/>
+        <p:txBody>
+          <a:bodyPr/>
+          <a:lstStyle/>
+          <a:p>
+            <a:r>
+              <a:rPr lang="it-CH" dirty="0" smtClean="0"/>
+              <a:t>Funzioni aggiunte</a:t>
+            </a:r>
+            <a:endParaRPr lang="it-CH" dirty="0"/>
+          </a:p>
+        </p:txBody>
+      </p:sp>
+      <p:pic>
+        <p:nvPicPr>
+          <p:cNvPr id="4" name="Content Placeholder 3"/>
+          <p:cNvPicPr>
+            <a:picLocks noGrp="1" noChangeAspect="1"/>
+          </p:cNvPicPr>
+          <p:nvPr>
+            <p:ph idx="1"/>
+          </p:nvPr>
+        </p:nvPicPr>
+        <p:blipFill>
+          <a:blip r:embed="rId2"/>
+          <a:stretch>
+            <a:fillRect/>
+          </a:stretch>
+        </p:blipFill>
+        <p:spPr>
+          <a:xfrm>
+            <a:off x="518984" y="1270000"/>
+            <a:ext cx="8913368" cy="4303486"/>
+          </a:xfrm>
+          <a:prstGeom prst="rect">
+            <a:avLst/>
+          </a:prstGeom>
+          <a:ln>
+            <a:solidFill>
+              <a:srgbClr val="6F81AC"/>
+            </a:solidFill>
+          </a:ln>
+        </p:spPr>
+      </p:pic>
+    </p:spTree>
+    <p:extLst>
+      <p:ext uri="{BB962C8B-B14F-4D97-AF65-F5344CB8AC3E}">
+        <p14:creationId xmlns:p14="http://schemas.microsoft.com/office/powerpoint/2010/main" val="1904499242"/>
+      </p:ext>
+    </p:extLst>
+  </p:cSld>
+  <p:clrMapOvr>
+    <a:masterClrMapping/>
+  </p:clrMapOvr>
+</p:sld>
+</file>
+
+<file path=ppt/slides/slide13.xml><?xml version="1.0" encoding="utf-8"?>
+<p:sld xmlns:a="http://schemas.openxmlformats.org/drawingml/2006/main" xmlns:r="http://schemas.openxmlformats.org/officeDocument/2006/relationships" xmlns:p="http://schemas.openxmlformats.org/presentationml/2006/main">
+  <p:cSld>
+    <p:spTree>
+      <p:nvGrpSpPr>
+        <p:cNvPr id="1" name=""/>
+        <p:cNvGrpSpPr/>
+        <p:nvPr/>
+      </p:nvGrpSpPr>
+      <p:grpSpPr>
+        <a:xfrm>
+          <a:off x="0" y="0"/>
+          <a:ext cx="0" cy="0"/>
+          <a:chOff x="0" y="0"/>
+          <a:chExt cx="0" cy="0"/>
+        </a:xfrm>
+      </p:grpSpPr>
+      <p:sp>
+        <p:nvSpPr>
+          <p:cNvPr id="2" name="Title 1"/>
+          <p:cNvSpPr>
+            <a:spLocks noGrp="1"/>
+          </p:cNvSpPr>
+          <p:nvPr>
+            <p:ph type="title"/>
+          </p:nvPr>
+        </p:nvSpPr>
+        <p:spPr/>
+        <p:txBody>
+          <a:bodyPr/>
+          <a:lstStyle/>
+          <a:p>
+            <a:r>
+              <a:rPr lang="it-CH" dirty="0" smtClean="0"/>
+              <a:t>Funzioni aggiunte</a:t>
+            </a:r>
+            <a:endParaRPr lang="it-CH" dirty="0"/>
+          </a:p>
+        </p:txBody>
+      </p:sp>
+      <p:pic>
+        <p:nvPicPr>
+          <p:cNvPr id="4" name="Content Placeholder 3"/>
+          <p:cNvPicPr>
+            <a:picLocks noGrp="1" noChangeAspect="1"/>
+          </p:cNvPicPr>
+          <p:nvPr>
+            <p:ph idx="1"/>
+          </p:nvPr>
+        </p:nvPicPr>
+        <p:blipFill>
+          <a:blip r:embed="rId2"/>
+          <a:stretch>
+            <a:fillRect/>
+          </a:stretch>
+        </p:blipFill>
+        <p:spPr>
+          <a:xfrm>
+            <a:off x="424349" y="1270000"/>
+            <a:ext cx="9102638" cy="4394867"/>
+          </a:xfrm>
+          <a:prstGeom prst="rect">
+            <a:avLst/>
+          </a:prstGeom>
+          <a:ln>
+            <a:solidFill>
+              <a:srgbClr val="6F81AC"/>
+            </a:solidFill>
+          </a:ln>
+        </p:spPr>
+      </p:pic>
+    </p:spTree>
+    <p:extLst>
+      <p:ext uri="{BB962C8B-B14F-4D97-AF65-F5344CB8AC3E}">
+        <p14:creationId xmlns:p14="http://schemas.microsoft.com/office/powerpoint/2010/main" val="418777034"/>
+      </p:ext>
+    </p:extLst>
+  </p:cSld>
+  <p:clrMapOvr>
+    <a:masterClrMapping/>
+  </p:clrMapOvr>
+</p:sld>
+</file>
+
+<file path=ppt/slides/slide14.xml><?xml version="1.0" encoding="utf-8"?>
+<p:sld xmlns:a="http://schemas.openxmlformats.org/drawingml/2006/main" xmlns:r="http://schemas.openxmlformats.org/officeDocument/2006/relationships" xmlns:p="http://schemas.openxmlformats.org/presentationml/2006/main">
+  <p:cSld>
+    <p:spTree>
+      <p:nvGrpSpPr>
+        <p:cNvPr id="1" name=""/>
+        <p:cNvGrpSpPr/>
+        <p:nvPr/>
+      </p:nvGrpSpPr>
+      <p:grpSpPr>
+        <a:xfrm>
+          <a:off x="0" y="0"/>
+          <a:ext cx="0" cy="0"/>
+          <a:chOff x="0" y="0"/>
+          <a:chExt cx="0" cy="0"/>
+        </a:xfrm>
+      </p:grpSpPr>
+      <p:sp>
+        <p:nvSpPr>
+          <p:cNvPr id="2" name="Title 1"/>
+          <p:cNvSpPr>
+            <a:spLocks noGrp="1"/>
+          </p:cNvSpPr>
+          <p:nvPr>
+            <p:ph type="title"/>
+          </p:nvPr>
+        </p:nvSpPr>
+        <p:spPr/>
+        <p:txBody>
+          <a:bodyPr/>
+          <a:lstStyle/>
+          <a:p>
+            <a:r>
+              <a:rPr lang="it-CH" dirty="0" smtClean="0"/>
+              <a:t>Funzioni aggiunte</a:t>
+            </a:r>
+            <a:endParaRPr lang="it-CH" dirty="0"/>
+          </a:p>
+        </p:txBody>
+      </p:sp>
+      <p:pic>
+        <p:nvPicPr>
+          <p:cNvPr id="4" name="Content Placeholder 3"/>
+          <p:cNvPicPr>
+            <a:picLocks noGrp="1" noChangeAspect="1"/>
+          </p:cNvPicPr>
+          <p:nvPr>
+            <p:ph idx="1"/>
+          </p:nvPr>
+        </p:nvPicPr>
+        <p:blipFill>
+          <a:blip r:embed="rId2"/>
+          <a:stretch>
+            <a:fillRect/>
+          </a:stretch>
+        </p:blipFill>
+        <p:spPr>
+          <a:xfrm>
+            <a:off x="579366" y="1270000"/>
+            <a:ext cx="8792603" cy="4590869"/>
+          </a:xfrm>
+          <a:prstGeom prst="rect">
+            <a:avLst/>
+          </a:prstGeom>
+          <a:ln>
+            <a:solidFill>
+              <a:srgbClr val="6F81AC"/>
+            </a:solidFill>
+          </a:ln>
+        </p:spPr>
+      </p:pic>
+    </p:spTree>
+    <p:extLst>
+      <p:ext uri="{BB962C8B-B14F-4D97-AF65-F5344CB8AC3E}">
+        <p14:creationId xmlns:p14="http://schemas.microsoft.com/office/powerpoint/2010/main" val="1080080638"/>
+      </p:ext>
+    </p:extLst>
+  </p:cSld>
+  <p:clrMapOvr>
+    <a:masterClrMapping/>
+  </p:clrMapOvr>
+</p:sld>
+</file>
+
+<file path=ppt/slides/slide15.xml><?xml version="1.0" encoding="utf-8"?>
+<p:sld xmlns:a="http://schemas.openxmlformats.org/drawingml/2006/main" xmlns:r="http://schemas.openxmlformats.org/officeDocument/2006/relationships" xmlns:p="http://schemas.openxmlformats.org/presentationml/2006/main">
+  <p:cSld>
+    <p:spTree>
+      <p:nvGrpSpPr>
+        <p:cNvPr id="1" name=""/>
+        <p:cNvGrpSpPr/>
+        <p:nvPr/>
+      </p:nvGrpSpPr>
+      <p:grpSpPr>
+        <a:xfrm>
+          <a:off x="0" y="0"/>
+          <a:ext cx="0" cy="0"/>
+          <a:chOff x="0" y="0"/>
+          <a:chExt cx="0" cy="0"/>
+        </a:xfrm>
+      </p:grpSpPr>
+      <p:sp>
+        <p:nvSpPr>
+          <p:cNvPr id="2" name="Title 1"/>
+          <p:cNvSpPr>
+            <a:spLocks noGrp="1"/>
+          </p:cNvSpPr>
+          <p:nvPr>
+            <p:ph type="title"/>
+          </p:nvPr>
+        </p:nvSpPr>
+        <p:spPr/>
+        <p:txBody>
+          <a:bodyPr/>
+          <a:lstStyle/>
+          <a:p>
+            <a:r>
+              <a:rPr lang="it-CH" dirty="0" smtClean="0"/>
+              <a:t>Funzioni aggiunte</a:t>
+            </a:r>
+            <a:endParaRPr lang="it-CH" dirty="0"/>
+          </a:p>
+        </p:txBody>
+      </p:sp>
+      <p:pic>
+        <p:nvPicPr>
+          <p:cNvPr id="9" name="Content Placeholder 8"/>
+          <p:cNvPicPr>
+            <a:picLocks noGrp="1" noChangeAspect="1"/>
+          </p:cNvPicPr>
+          <p:nvPr>
+            <p:ph idx="1"/>
+          </p:nvPr>
+        </p:nvPicPr>
+        <p:blipFill>
+          <a:blip r:embed="rId2">
+            <a:extLst>
+              <a:ext uri="{28A0092B-C50C-407E-A947-70E740481C1C}">
+                <a14:useLocalDpi xmlns:a14="http://schemas.microsoft.com/office/drawing/2010/main" val="0"/>
+              </a:ext>
+            </a:extLst>
+          </a:blip>
+          <a:stretch>
+            <a:fillRect/>
+          </a:stretch>
+        </p:blipFill>
+        <p:spPr>
+          <a:xfrm>
+            <a:off x="3644123" y="2354750"/>
+            <a:ext cx="2523751" cy="2272075"/>
+          </a:xfrm>
+        </p:spPr>
+      </p:pic>
+      <p:pic>
+        <p:nvPicPr>
+          <p:cNvPr id="10" name="Picture 9"/>
+          <p:cNvPicPr>
+            <a:picLocks noChangeAspect="1"/>
+          </p:cNvPicPr>
+          <p:nvPr/>
+        </p:nvPicPr>
+        <p:blipFill>
+          <a:blip r:embed="rId3">
+            <a:extLst>
+              <a:ext uri="{28A0092B-C50C-407E-A947-70E740481C1C}">
+                <a14:useLocalDpi xmlns:a14="http://schemas.microsoft.com/office/drawing/2010/main" val="0"/>
+              </a:ext>
+            </a:extLst>
+          </a:blip>
+          <a:stretch>
+            <a:fillRect/>
+          </a:stretch>
+        </p:blipFill>
+        <p:spPr>
+          <a:xfrm>
+            <a:off x="677334" y="2514079"/>
+            <a:ext cx="1953418" cy="1953418"/>
+          </a:xfrm>
+          <a:prstGeom prst="rect">
+            <a:avLst/>
+          </a:prstGeom>
+        </p:spPr>
+      </p:pic>
+      <p:sp>
+        <p:nvSpPr>
+          <p:cNvPr id="11" name="Right Arrow 10"/>
+          <p:cNvSpPr/>
+          <p:nvPr/>
+        </p:nvSpPr>
+        <p:spPr>
+          <a:xfrm>
+            <a:off x="2538135" y="3238239"/>
+            <a:ext cx="1105988" cy="618308"/>
+          </a:xfrm>
+          <a:prstGeom prst="rightArrow">
+            <a:avLst/>
+          </a:prstGeom>
+        </p:spPr>
+        <p:style>
+          <a:lnRef idx="2">
+            <a:schemeClr val="accent1">
+              <a:shade val="50000"/>
+            </a:schemeClr>
+          </a:lnRef>
+          <a:fillRef idx="1">
+            <a:schemeClr val="accent1"/>
+          </a:fillRef>
+          <a:effectRef idx="0">
+            <a:schemeClr val="accent1"/>
+          </a:effectRef>
+          <a:fontRef idx="minor">
+            <a:schemeClr val="lt1"/>
+          </a:fontRef>
+        </p:style>
+        <p:txBody>
+          <a:bodyPr rtlCol="0" anchor="ctr"/>
+          <a:lstStyle/>
+          <a:p>
+            <a:pPr algn="ctr"/>
+            <a:endParaRPr lang="it-CH"/>
+          </a:p>
+        </p:txBody>
+      </p:sp>
+      <p:sp>
+        <p:nvSpPr>
+          <p:cNvPr id="12" name="Right Arrow 11"/>
+          <p:cNvSpPr/>
+          <p:nvPr/>
+        </p:nvSpPr>
+        <p:spPr>
+          <a:xfrm>
+            <a:off x="6167874" y="3239589"/>
+            <a:ext cx="1105988" cy="618308"/>
+          </a:xfrm>
+          <a:prstGeom prst="rightArrow">
+            <a:avLst/>
+          </a:prstGeom>
+        </p:spPr>
+        <p:style>
+          <a:lnRef idx="2">
+            <a:schemeClr val="accent1">
+              <a:shade val="50000"/>
+            </a:schemeClr>
+          </a:lnRef>
+          <a:fillRef idx="1">
+            <a:schemeClr val="accent1"/>
+          </a:fillRef>
+          <a:effectRef idx="0">
+            <a:schemeClr val="accent1"/>
+          </a:effectRef>
+          <a:fontRef idx="minor">
+            <a:schemeClr val="lt1"/>
+          </a:fontRef>
+        </p:style>
+        <p:txBody>
+          <a:bodyPr rtlCol="0" anchor="ctr"/>
+          <a:lstStyle/>
+          <a:p>
+            <a:pPr algn="ctr"/>
+            <a:endParaRPr lang="it-CH"/>
+          </a:p>
+        </p:txBody>
+      </p:sp>
+      <p:sp>
+        <p:nvSpPr>
+          <p:cNvPr id="14" name="Rounded Rectangle 13"/>
+          <p:cNvSpPr/>
+          <p:nvPr/>
+        </p:nvSpPr>
+        <p:spPr>
+          <a:xfrm>
+            <a:off x="7369656" y="2629989"/>
+            <a:ext cx="2288149" cy="1837508"/>
+          </a:xfrm>
+          <a:prstGeom prst="roundRect">
+            <a:avLst/>
+          </a:prstGeom>
+          <a:solidFill>
+            <a:srgbClr val="92D050"/>
+          </a:solidFill>
+          <a:ln w="28575">
+            <a:solidFill>
+              <a:srgbClr val="00B050"/>
+            </a:solidFill>
+          </a:ln>
+        </p:spPr>
+        <p:style>
+          <a:lnRef idx="2">
+            <a:schemeClr val="accent1">
+              <a:shade val="50000"/>
+            </a:schemeClr>
+          </a:lnRef>
+          <a:fillRef idx="1">
+            <a:schemeClr val="accent1"/>
+          </a:fillRef>
+          <a:effectRef idx="0">
+            <a:schemeClr val="accent1"/>
+          </a:effectRef>
+          <a:fontRef idx="minor">
+            <a:schemeClr val="lt1"/>
+          </a:fontRef>
+        </p:style>
+        <p:txBody>
+          <a:bodyPr rtlCol="0" anchor="ctr"/>
+          <a:lstStyle/>
+          <a:p>
+            <a:pPr algn="ctr"/>
+            <a:r>
+              <a:rPr lang="it-CH" sz="2800" dirty="0" smtClean="0">
+                <a:solidFill>
+                  <a:srgbClr val="00B050"/>
+                </a:solidFill>
+              </a:rPr>
+              <a:t>Prodotto</a:t>
+            </a:r>
+          </a:p>
+          <a:p>
+            <a:pPr algn="ctr"/>
+            <a:r>
+              <a:rPr lang="it-CH" sz="2800" dirty="0" smtClean="0">
+                <a:solidFill>
+                  <a:srgbClr val="00B050"/>
+                </a:solidFill>
+              </a:rPr>
+              <a:t>aggiunto!</a:t>
+            </a:r>
+            <a:endParaRPr lang="it-CH" sz="2800" dirty="0">
+              <a:solidFill>
+                <a:srgbClr val="00B050"/>
+              </a:solidFill>
+            </a:endParaRPr>
+          </a:p>
+        </p:txBody>
+      </p:sp>
+    </p:spTree>
+    <p:extLst>
+      <p:ext uri="{BB962C8B-B14F-4D97-AF65-F5344CB8AC3E}">
+        <p14:creationId xmlns:p14="http://schemas.microsoft.com/office/powerpoint/2010/main" val="2960231683"/>
+      </p:ext>
+    </p:extLst>
+  </p:cSld>
+  <p:clrMapOvr>
+    <a:masterClrMapping/>
+  </p:clrMapOvr>
+</p:sld>
+</file>
+
+<file path=ppt/slides/slide16.xml><?xml version="1.0" encoding="utf-8"?>
+<p:sld xmlns:a="http://schemas.openxmlformats.org/drawingml/2006/main" xmlns:r="http://schemas.openxmlformats.org/officeDocument/2006/relationships" xmlns:p="http://schemas.openxmlformats.org/presentationml/2006/main">
+  <p:cSld>
+    <p:spTree>
+      <p:nvGrpSpPr>
+        <p:cNvPr id="1" name=""/>
+        <p:cNvGrpSpPr/>
+        <p:nvPr/>
+      </p:nvGrpSpPr>
+      <p:grpSpPr>
+        <a:xfrm>
+          <a:off x="0" y="0"/>
+          <a:ext cx="0" cy="0"/>
+          <a:chOff x="0" y="0"/>
+          <a:chExt cx="0" cy="0"/>
+        </a:xfrm>
+      </p:grpSpPr>
+      <p:sp>
+        <p:nvSpPr>
+          <p:cNvPr id="2" name="Title 1"/>
+          <p:cNvSpPr>
+            <a:spLocks noGrp="1"/>
+          </p:cNvSpPr>
+          <p:nvPr>
+            <p:ph type="title"/>
+          </p:nvPr>
+        </p:nvSpPr>
+        <p:spPr/>
+        <p:txBody>
+          <a:bodyPr/>
+          <a:lstStyle/>
+          <a:p>
+            <a:r>
+              <a:rPr lang="it-CH" dirty="0" smtClean="0"/>
+              <a:t>Gantt preventivo</a:t>
+            </a:r>
+            <a:endParaRPr lang="it-CH" dirty="0"/>
+          </a:p>
+        </p:txBody>
+      </p:sp>
+      <p:sp>
+        <p:nvSpPr>
+          <p:cNvPr id="3" name="Content Placeholder 2"/>
+          <p:cNvSpPr>
+            <a:spLocks noGrp="1"/>
+          </p:cNvSpPr>
+          <p:nvPr>
+            <p:ph idx="1"/>
+          </p:nvPr>
+        </p:nvSpPr>
+        <p:spPr/>
+        <p:txBody>
+          <a:bodyPr/>
+          <a:lstStyle/>
+          <a:p>
+            <a:endParaRPr lang="it-CH"/>
+          </a:p>
+        </p:txBody>
+      </p:sp>
+    </p:spTree>
+    <p:extLst>
+      <p:ext uri="{BB962C8B-B14F-4D97-AF65-F5344CB8AC3E}">
+        <p14:creationId xmlns:p14="http://schemas.microsoft.com/office/powerpoint/2010/main" val="972974777"/>
+      </p:ext>
+    </p:extLst>
+  </p:cSld>
+  <p:clrMapOvr>
+    <a:masterClrMapping/>
+  </p:clrMapOvr>
+</p:sld>
+</file>
+
+<file path=ppt/slides/slide17.xml><?xml version="1.0" encoding="utf-8"?>
+<p:sld xmlns:a="http://schemas.openxmlformats.org/drawingml/2006/main" xmlns:r="http://schemas.openxmlformats.org/officeDocument/2006/relationships" xmlns:p="http://schemas.openxmlformats.org/presentationml/2006/main">
+  <p:cSld>
+    <p:spTree>
+      <p:nvGrpSpPr>
+        <p:cNvPr id="1" name=""/>
+        <p:cNvGrpSpPr/>
+        <p:nvPr/>
+      </p:nvGrpSpPr>
+      <p:grpSpPr>
+        <a:xfrm>
+          <a:off x="0" y="0"/>
+          <a:ext cx="0" cy="0"/>
+          <a:chOff x="0" y="0"/>
+          <a:chExt cx="0" cy="0"/>
+        </a:xfrm>
+      </p:grpSpPr>
+      <p:sp>
+        <p:nvSpPr>
+          <p:cNvPr id="2" name="Title 1"/>
+          <p:cNvSpPr>
+            <a:spLocks noGrp="1"/>
+          </p:cNvSpPr>
+          <p:nvPr>
+            <p:ph type="title"/>
+          </p:nvPr>
+        </p:nvSpPr>
+        <p:spPr/>
+        <p:txBody>
+          <a:bodyPr/>
+          <a:lstStyle/>
+          <a:p>
+            <a:r>
+              <a:rPr lang="it-CH" dirty="0" smtClean="0"/>
+              <a:t>Gantt consultivo</a:t>
+            </a:r>
+            <a:endParaRPr lang="it-CH" dirty="0"/>
+          </a:p>
+        </p:txBody>
+      </p:sp>
+      <p:sp>
+        <p:nvSpPr>
+          <p:cNvPr id="3" name="Content Placeholder 2"/>
+          <p:cNvSpPr>
+            <a:spLocks noGrp="1"/>
+          </p:cNvSpPr>
+          <p:nvPr>
+            <p:ph idx="1"/>
+          </p:nvPr>
+        </p:nvSpPr>
+        <p:spPr/>
+        <p:txBody>
+          <a:bodyPr/>
+          <a:lstStyle/>
+          <a:p>
+            <a:endParaRPr lang="it-CH"/>
+          </a:p>
+        </p:txBody>
+      </p:sp>
+    </p:spTree>
+    <p:extLst>
+      <p:ext uri="{BB962C8B-B14F-4D97-AF65-F5344CB8AC3E}">
+        <p14:creationId xmlns:p14="http://schemas.microsoft.com/office/powerpoint/2010/main" val="324048892"/>
+      </p:ext>
+    </p:extLst>
+  </p:cSld>
+  <p:clrMapOvr>
+    <a:masterClrMapping/>
+  </p:clrMapOvr>
+</p:sld>
+</file>
+
+<file path=ppt/slides/slide18.xml><?xml version="1.0" encoding="utf-8"?>
+<p:sld xmlns:a="http://schemas.openxmlformats.org/drawingml/2006/main" xmlns:r="http://schemas.openxmlformats.org/officeDocument/2006/relationships" xmlns:p="http://schemas.openxmlformats.org/presentationml/2006/main">
+  <p:cSld>
+    <p:spTree>
+      <p:nvGrpSpPr>
+        <p:cNvPr id="1" name=""/>
+        <p:cNvGrpSpPr/>
+        <p:nvPr/>
+      </p:nvGrpSpPr>
+      <p:grpSpPr>
+        <a:xfrm>
+          <a:off x="0" y="0"/>
+          <a:ext cx="0" cy="0"/>
+          <a:chOff x="0" y="0"/>
+          <a:chExt cx="0" cy="0"/>
+        </a:xfrm>
+      </p:grpSpPr>
+      <p:sp>
+        <p:nvSpPr>
+          <p:cNvPr id="2" name="Title 1"/>
+          <p:cNvSpPr>
+            <a:spLocks noGrp="1"/>
+          </p:cNvSpPr>
+          <p:nvPr>
+            <p:ph type="title"/>
+          </p:nvPr>
+        </p:nvSpPr>
+        <p:spPr/>
+        <p:txBody>
+          <a:bodyPr/>
+          <a:lstStyle/>
+          <a:p>
+            <a:r>
+              <a:rPr lang="it-CH" dirty="0" smtClean="0"/>
+              <a:t>Funzioni aggiuntive possibili</a:t>
+            </a:r>
+            <a:endParaRPr lang="it-CH" dirty="0"/>
+          </a:p>
+        </p:txBody>
+      </p:sp>
+      <p:sp>
+        <p:nvSpPr>
+          <p:cNvPr id="3" name="Content Placeholder 2"/>
+          <p:cNvSpPr>
+            <a:spLocks noGrp="1"/>
+          </p:cNvSpPr>
+          <p:nvPr>
+            <p:ph idx="1"/>
+          </p:nvPr>
+        </p:nvSpPr>
+        <p:spPr/>
+        <p:txBody>
+          <a:bodyPr/>
+          <a:lstStyle/>
+          <a:p>
+            <a:r>
+              <a:rPr lang="it-CH" dirty="0" smtClean="0"/>
+              <a:t>Riconoscimento dell’oggetto tramite fotocamera</a:t>
+            </a:r>
+            <a:endParaRPr lang="it-CH" dirty="0"/>
+          </a:p>
+        </p:txBody>
+      </p:sp>
+    </p:spTree>
+    <p:extLst>
+      <p:ext uri="{BB962C8B-B14F-4D97-AF65-F5344CB8AC3E}">
+        <p14:creationId xmlns:p14="http://schemas.microsoft.com/office/powerpoint/2010/main" val="4023252098"/>
+      </p:ext>
+    </p:extLst>
+  </p:cSld>
+  <p:clrMapOvr>
+    <a:masterClrMapping/>
+  </p:clrMapOvr>
+</p:sld>
+</file>
+
+<file path=ppt/slides/slide19.xml><?xml version="1.0" encoding="utf-8"?>
+<p:sld xmlns:a="http://schemas.openxmlformats.org/drawingml/2006/main" xmlns:r="http://schemas.openxmlformats.org/officeDocument/2006/relationships" xmlns:p="http://schemas.openxmlformats.org/presentationml/2006/main">
+  <p:cSld>
+    <p:spTree>
+      <p:nvGrpSpPr>
+        <p:cNvPr id="1" name=""/>
+        <p:cNvGrpSpPr/>
+        <p:nvPr/>
+      </p:nvGrpSpPr>
+      <p:grpSpPr>
+        <a:xfrm>
+          <a:off x="0" y="0"/>
+          <a:ext cx="0" cy="0"/>
+          <a:chOff x="0" y="0"/>
+          <a:chExt cx="0" cy="0"/>
+        </a:xfrm>
+      </p:grpSpPr>
+      <p:sp>
+        <p:nvSpPr>
+          <p:cNvPr id="2" name="Title 1"/>
+          <p:cNvSpPr>
+            <a:spLocks noGrp="1"/>
+          </p:cNvSpPr>
+          <p:nvPr>
+            <p:ph type="title"/>
+          </p:nvPr>
+        </p:nvSpPr>
+        <p:spPr/>
+        <p:txBody>
+          <a:bodyPr/>
+          <a:lstStyle/>
+          <a:p>
+            <a:r>
+              <a:rPr lang="it-CH" smtClean="0"/>
+              <a:t>Grazie per l’attenzione</a:t>
+            </a:r>
+            <a:endParaRPr lang="it-CH"/>
+          </a:p>
+        </p:txBody>
+      </p:sp>
+      <p:sp>
+        <p:nvSpPr>
+          <p:cNvPr id="3" name="Text Placeholder 2"/>
+          <p:cNvSpPr>
+            <a:spLocks noGrp="1"/>
+          </p:cNvSpPr>
+          <p:nvPr>
+            <p:ph type="body" idx="1"/>
+          </p:nvPr>
+        </p:nvSpPr>
+        <p:spPr/>
+        <p:txBody>
+          <a:bodyPr/>
+          <a:lstStyle/>
+          <a:p>
+            <a:endParaRPr lang="it-CH"/>
+          </a:p>
+        </p:txBody>
+      </p:sp>
+    </p:spTree>
+    <p:extLst>
+      <p:ext uri="{BB962C8B-B14F-4D97-AF65-F5344CB8AC3E}">
+        <p14:creationId xmlns:p14="http://schemas.microsoft.com/office/powerpoint/2010/main" val="329451746"/>
+      </p:ext>
+    </p:extLst>
+  </p:cSld>
+  <p:clrMapOvr>
+    <a:masterClrMapping/>
+  </p:clrMapOvr>
+</p:sld>
+</file>
+
 <file path=ppt/slides/slide2.xml><?xml version="1.0" encoding="utf-8"?>
 <p:sld xmlns:a="http://schemas.openxmlformats.org/drawingml/2006/main" xmlns:r="http://schemas.openxmlformats.org/officeDocument/2006/relationships" xmlns:p="http://schemas.openxmlformats.org/presentationml/2006/main">
   <p:cSld>
@@ -5951,25 +6944,37 @@
           </a:p>
         </p:txBody>
       </p:sp>
-      <p:sp>
-        <p:nvSpPr>
-          <p:cNvPr id="3" name="Content Placeholder 2"/>
-          <p:cNvSpPr>
-            <a:spLocks noGrp="1"/>
-          </p:cNvSpPr>
+      <p:pic>
+        <p:nvPicPr>
+          <p:cNvPr id="6" name="Content Placeholder 5"/>
+          <p:cNvPicPr>
+            <a:picLocks noGrp="1" noChangeAspect="1"/>
+          </p:cNvPicPr>
           <p:nvPr>
             <p:ph idx="1"/>
           </p:nvPr>
-        </p:nvSpPr>
-        <p:spPr/>
-        <p:txBody>
-          <a:bodyPr/>
-          <a:lstStyle/>
-          <a:p>
-            <a:endParaRPr lang="it-CH"/>
-          </a:p>
-        </p:txBody>
-      </p:sp>
+        </p:nvPicPr>
+        <p:blipFill>
+          <a:blip r:embed="rId2"/>
+          <a:stretch>
+            <a:fillRect/>
+          </a:stretch>
+        </p:blipFill>
+        <p:spPr>
+          <a:xfrm>
+            <a:off x="1317100" y="1270000"/>
+            <a:ext cx="7317135" cy="4934633"/>
+          </a:xfrm>
+          <a:prstGeom prst="rect">
+            <a:avLst/>
+          </a:prstGeom>
+          <a:ln>
+            <a:solidFill>
+              <a:srgbClr val="6F81AC"/>
+            </a:solidFill>
+          </a:ln>
+        </p:spPr>
+      </p:pic>
     </p:spTree>
     <p:extLst>
       <p:ext uri="{BB962C8B-B14F-4D97-AF65-F5344CB8AC3E}">
@@ -6017,35 +7022,53 @@
           <a:p>
             <a:r>
               <a:rPr lang="it-CH" dirty="0" smtClean="0"/>
-              <a:t>Funzioni aggiunte</a:t>
+              <a:t>Prima versione</a:t>
             </a:r>
             <a:endParaRPr lang="it-CH" dirty="0"/>
           </a:p>
         </p:txBody>
       </p:sp>
-      <p:sp>
-        <p:nvSpPr>
-          <p:cNvPr id="3" name="Content Placeholder 2"/>
-          <p:cNvSpPr>
-            <a:spLocks noGrp="1"/>
-          </p:cNvSpPr>
+      <p:pic>
+        <p:nvPicPr>
+          <p:cNvPr id="6" name="Content Placeholder 5"/>
+          <p:cNvPicPr>
+            <a:picLocks noGrp="1" noChangeAspect="1"/>
+          </p:cNvPicPr>
           <p:nvPr>
             <p:ph idx="1"/>
           </p:nvPr>
-        </p:nvSpPr>
-        <p:spPr/>
-        <p:txBody>
-          <a:bodyPr/>
-          <a:lstStyle/>
-          <a:p>
-            <a:endParaRPr lang="it-CH"/>
-          </a:p>
-        </p:txBody>
-      </p:sp>
+        </p:nvPicPr>
+        <p:blipFill>
+          <a:blip r:embed="rId2">
+            <a:extLst>
+              <a:ext uri="{28A0092B-C50C-407E-A947-70E740481C1C}">
+                <a14:useLocalDpi xmlns:a14="http://schemas.microsoft.com/office/drawing/2010/main" val="0"/>
+              </a:ext>
+            </a:extLst>
+          </a:blip>
+          <a:stretch>
+            <a:fillRect/>
+          </a:stretch>
+        </p:blipFill>
+        <p:spPr>
+          <a:xfrm>
+            <a:off x="1317100" y="1306624"/>
+            <a:ext cx="7317135" cy="4861384"/>
+          </a:xfrm>
+          <a:prstGeom prst="rect">
+            <a:avLst/>
+          </a:prstGeom>
+          <a:ln>
+            <a:solidFill>
+              <a:srgbClr val="6F81AC"/>
+            </a:solidFill>
+          </a:ln>
+        </p:spPr>
+      </p:pic>
     </p:spTree>
     <p:extLst>
       <p:ext uri="{BB962C8B-B14F-4D97-AF65-F5344CB8AC3E}">
-        <p14:creationId xmlns:p14="http://schemas.microsoft.com/office/powerpoint/2010/main" val="985836943"/>
+        <p14:creationId xmlns:p14="http://schemas.microsoft.com/office/powerpoint/2010/main" val="2934629806"/>
       </p:ext>
     </p:extLst>
   </p:cSld>
@@ -6089,35 +7112,53 @@
           <a:p>
             <a:r>
               <a:rPr lang="it-CH" dirty="0" smtClean="0"/>
-              <a:t>Funzioni aggiuntive possibili</a:t>
+              <a:t>Prima versione</a:t>
             </a:r>
             <a:endParaRPr lang="it-CH" dirty="0"/>
           </a:p>
         </p:txBody>
       </p:sp>
-      <p:sp>
-        <p:nvSpPr>
-          <p:cNvPr id="3" name="Content Placeholder 2"/>
-          <p:cNvSpPr>
-            <a:spLocks noGrp="1"/>
-          </p:cNvSpPr>
+      <p:pic>
+        <p:nvPicPr>
+          <p:cNvPr id="6" name="Content Placeholder 5"/>
+          <p:cNvPicPr>
+            <a:picLocks noGrp="1" noChangeAspect="1"/>
+          </p:cNvPicPr>
           <p:nvPr>
             <p:ph idx="1"/>
           </p:nvPr>
-        </p:nvSpPr>
-        <p:spPr/>
-        <p:txBody>
-          <a:bodyPr/>
-          <a:lstStyle/>
-          <a:p>
-            <a:endParaRPr lang="it-CH"/>
-          </a:p>
-        </p:txBody>
-      </p:sp>
+        </p:nvPicPr>
+        <p:blipFill>
+          <a:blip r:embed="rId2">
+            <a:extLst>
+              <a:ext uri="{28A0092B-C50C-407E-A947-70E740481C1C}">
+                <a14:useLocalDpi xmlns:a14="http://schemas.microsoft.com/office/drawing/2010/main" val="0"/>
+              </a:ext>
+            </a:extLst>
+          </a:blip>
+          <a:stretch>
+            <a:fillRect/>
+          </a:stretch>
+        </p:blipFill>
+        <p:spPr>
+          <a:xfrm>
+            <a:off x="645244" y="1270000"/>
+            <a:ext cx="8660848" cy="4181566"/>
+          </a:xfrm>
+          <a:prstGeom prst="rect">
+            <a:avLst/>
+          </a:prstGeom>
+          <a:ln>
+            <a:solidFill>
+              <a:srgbClr val="6F81AC"/>
+            </a:solidFill>
+          </a:ln>
+        </p:spPr>
+      </p:pic>
     </p:spTree>
     <p:extLst>
       <p:ext uri="{BB962C8B-B14F-4D97-AF65-F5344CB8AC3E}">
-        <p14:creationId xmlns:p14="http://schemas.microsoft.com/office/powerpoint/2010/main" val="4023252098"/>
+        <p14:creationId xmlns:p14="http://schemas.microsoft.com/office/powerpoint/2010/main" val="3987541759"/>
       </p:ext>
     </p:extLst>
   </p:cSld>
@@ -6160,36 +7201,324 @@
           <a:lstStyle/>
           <a:p>
             <a:r>
-              <a:rPr lang="it-CH" smtClean="0"/>
-              <a:t>Grazie per l’attenzione</a:t>
-            </a:r>
-            <a:endParaRPr lang="it-CH"/>
-          </a:p>
-        </p:txBody>
-      </p:sp>
-      <p:sp>
-        <p:nvSpPr>
-          <p:cNvPr id="3" name="Text Placeholder 2"/>
-          <p:cNvSpPr>
-            <a:spLocks noGrp="1"/>
-          </p:cNvSpPr>
-          <p:nvPr>
-            <p:ph type="body" idx="1"/>
-          </p:nvPr>
-        </p:nvSpPr>
-        <p:spPr/>
-        <p:txBody>
-          <a:bodyPr/>
-          <a:lstStyle/>
-          <a:p>
-            <a:endParaRPr lang="it-CH"/>
-          </a:p>
-        </p:txBody>
-      </p:sp>
+              <a:rPr lang="it-CH" dirty="0" smtClean="0"/>
+              <a:t>Prima versione</a:t>
+            </a:r>
+            <a:endParaRPr lang="it-CH" dirty="0"/>
+          </a:p>
+        </p:txBody>
+      </p:sp>
+      <p:pic>
+        <p:nvPicPr>
+          <p:cNvPr id="6" name="Content Placeholder 5"/>
+          <p:cNvPicPr>
+            <a:picLocks noGrp="1" noChangeAspect="1"/>
+          </p:cNvPicPr>
+          <p:nvPr>
+            <p:ph idx="1"/>
+          </p:nvPr>
+        </p:nvPicPr>
+        <p:blipFill>
+          <a:blip r:embed="rId2">
+            <a:extLst>
+              <a:ext uri="{28A0092B-C50C-407E-A947-70E740481C1C}">
+                <a14:useLocalDpi xmlns:a14="http://schemas.microsoft.com/office/drawing/2010/main" val="0"/>
+              </a:ext>
+            </a:extLst>
+          </a:blip>
+          <a:stretch>
+            <a:fillRect/>
+          </a:stretch>
+        </p:blipFill>
+        <p:spPr>
+          <a:xfrm>
+            <a:off x="645244" y="1270000"/>
+            <a:ext cx="8660848" cy="4181565"/>
+          </a:xfrm>
+          <a:prstGeom prst="rect">
+            <a:avLst/>
+          </a:prstGeom>
+          <a:ln>
+            <a:solidFill>
+              <a:srgbClr val="6F81AC"/>
+            </a:solidFill>
+          </a:ln>
+        </p:spPr>
+      </p:pic>
     </p:spTree>
     <p:extLst>
       <p:ext uri="{BB962C8B-B14F-4D97-AF65-F5344CB8AC3E}">
-        <p14:creationId xmlns:p14="http://schemas.microsoft.com/office/powerpoint/2010/main" val="329451746"/>
+        <p14:creationId xmlns:p14="http://schemas.microsoft.com/office/powerpoint/2010/main" val="3594178911"/>
+      </p:ext>
+    </p:extLst>
+  </p:cSld>
+  <p:clrMapOvr>
+    <a:masterClrMapping/>
+  </p:clrMapOvr>
+</p:sld>
+</file>
+
+<file path=ppt/slides/slide7.xml><?xml version="1.0" encoding="utf-8"?>
+<p:sld xmlns:a="http://schemas.openxmlformats.org/drawingml/2006/main" xmlns:r="http://schemas.openxmlformats.org/officeDocument/2006/relationships" xmlns:p="http://schemas.openxmlformats.org/presentationml/2006/main">
+  <p:cSld>
+    <p:spTree>
+      <p:nvGrpSpPr>
+        <p:cNvPr id="1" name=""/>
+        <p:cNvGrpSpPr/>
+        <p:nvPr/>
+      </p:nvGrpSpPr>
+      <p:grpSpPr>
+        <a:xfrm>
+          <a:off x="0" y="0"/>
+          <a:ext cx="0" cy="0"/>
+          <a:chOff x="0" y="0"/>
+          <a:chExt cx="0" cy="0"/>
+        </a:xfrm>
+      </p:grpSpPr>
+      <p:sp>
+        <p:nvSpPr>
+          <p:cNvPr id="2" name="Title 1"/>
+          <p:cNvSpPr>
+            <a:spLocks noGrp="1"/>
+          </p:cNvSpPr>
+          <p:nvPr>
+            <p:ph type="title"/>
+          </p:nvPr>
+        </p:nvSpPr>
+        <p:spPr/>
+        <p:txBody>
+          <a:bodyPr/>
+          <a:lstStyle/>
+          <a:p>
+            <a:r>
+              <a:rPr lang="it-CH" dirty="0" smtClean="0"/>
+              <a:t>Prima versione</a:t>
+            </a:r>
+            <a:endParaRPr lang="it-CH" dirty="0"/>
+          </a:p>
+        </p:txBody>
+      </p:sp>
+      <p:pic>
+        <p:nvPicPr>
+          <p:cNvPr id="6" name="Content Placeholder 5"/>
+          <p:cNvPicPr>
+            <a:picLocks noGrp="1" noChangeAspect="1"/>
+          </p:cNvPicPr>
+          <p:nvPr>
+            <p:ph idx="1"/>
+          </p:nvPr>
+        </p:nvPicPr>
+        <p:blipFill>
+          <a:blip r:embed="rId2">
+            <a:extLst>
+              <a:ext uri="{28A0092B-C50C-407E-A947-70E740481C1C}">
+                <a14:useLocalDpi xmlns:a14="http://schemas.microsoft.com/office/drawing/2010/main" val="0"/>
+              </a:ext>
+            </a:extLst>
+          </a:blip>
+          <a:stretch>
+            <a:fillRect/>
+          </a:stretch>
+        </p:blipFill>
+        <p:spPr>
+          <a:xfrm>
+            <a:off x="645245" y="1270000"/>
+            <a:ext cx="8660846" cy="4181565"/>
+          </a:xfrm>
+          <a:prstGeom prst="rect">
+            <a:avLst/>
+          </a:prstGeom>
+          <a:ln>
+            <a:solidFill>
+              <a:srgbClr val="6F81AC"/>
+            </a:solidFill>
+          </a:ln>
+        </p:spPr>
+      </p:pic>
+    </p:spTree>
+    <p:extLst>
+      <p:ext uri="{BB962C8B-B14F-4D97-AF65-F5344CB8AC3E}">
+        <p14:creationId xmlns:p14="http://schemas.microsoft.com/office/powerpoint/2010/main" val="286864664"/>
+      </p:ext>
+    </p:extLst>
+  </p:cSld>
+  <p:clrMapOvr>
+    <a:masterClrMapping/>
+  </p:clrMapOvr>
+</p:sld>
+</file>
+
+<file path=ppt/slides/slide8.xml><?xml version="1.0" encoding="utf-8"?>
+<p:sld xmlns:a="http://schemas.openxmlformats.org/drawingml/2006/main" xmlns:r="http://schemas.openxmlformats.org/officeDocument/2006/relationships" xmlns:p="http://schemas.openxmlformats.org/presentationml/2006/main">
+  <p:cSld>
+    <p:spTree>
+      <p:nvGrpSpPr>
+        <p:cNvPr id="1" name=""/>
+        <p:cNvGrpSpPr/>
+        <p:nvPr/>
+      </p:nvGrpSpPr>
+      <p:grpSpPr>
+        <a:xfrm>
+          <a:off x="0" y="0"/>
+          <a:ext cx="0" cy="0"/>
+          <a:chOff x="0" y="0"/>
+          <a:chExt cx="0" cy="0"/>
+        </a:xfrm>
+      </p:grpSpPr>
+      <p:sp>
+        <p:nvSpPr>
+          <p:cNvPr id="2" name="Title 1"/>
+          <p:cNvSpPr>
+            <a:spLocks noGrp="1"/>
+          </p:cNvSpPr>
+          <p:nvPr>
+            <p:ph type="title"/>
+          </p:nvPr>
+        </p:nvSpPr>
+        <p:spPr/>
+        <p:txBody>
+          <a:bodyPr/>
+          <a:lstStyle/>
+          <a:p>
+            <a:r>
+              <a:rPr lang="it-CH" dirty="0" smtClean="0"/>
+              <a:t>Prima versione</a:t>
+            </a:r>
+            <a:endParaRPr lang="it-CH" dirty="0"/>
+          </a:p>
+        </p:txBody>
+      </p:sp>
+      <p:pic>
+        <p:nvPicPr>
+          <p:cNvPr id="6" name="Content Placeholder 5"/>
+          <p:cNvPicPr>
+            <a:picLocks noGrp="1" noChangeAspect="1"/>
+          </p:cNvPicPr>
+          <p:nvPr>
+            <p:ph idx="1"/>
+          </p:nvPr>
+        </p:nvPicPr>
+        <p:blipFill>
+          <a:blip r:embed="rId2">
+            <a:extLst>
+              <a:ext uri="{28A0092B-C50C-407E-A947-70E740481C1C}">
+                <a14:useLocalDpi xmlns:a14="http://schemas.microsoft.com/office/drawing/2010/main" val="0"/>
+              </a:ext>
+            </a:extLst>
+          </a:blip>
+          <a:stretch>
+            <a:fillRect/>
+          </a:stretch>
+        </p:blipFill>
+        <p:spPr>
+          <a:xfrm>
+            <a:off x="645245" y="1270000"/>
+            <a:ext cx="8660846" cy="4181564"/>
+          </a:xfrm>
+          <a:prstGeom prst="rect">
+            <a:avLst/>
+          </a:prstGeom>
+          <a:ln>
+            <a:solidFill>
+              <a:srgbClr val="6F81AC"/>
+            </a:solidFill>
+          </a:ln>
+        </p:spPr>
+      </p:pic>
+    </p:spTree>
+    <p:extLst>
+      <p:ext uri="{BB962C8B-B14F-4D97-AF65-F5344CB8AC3E}">
+        <p14:creationId xmlns:p14="http://schemas.microsoft.com/office/powerpoint/2010/main" val="3968263070"/>
+      </p:ext>
+    </p:extLst>
+  </p:cSld>
+  <p:clrMapOvr>
+    <a:masterClrMapping/>
+  </p:clrMapOvr>
+</p:sld>
+</file>
+
+<file path=ppt/slides/slide9.xml><?xml version="1.0" encoding="utf-8"?>
+<p:sld xmlns:a="http://schemas.openxmlformats.org/drawingml/2006/main" xmlns:r="http://schemas.openxmlformats.org/officeDocument/2006/relationships" xmlns:p="http://schemas.openxmlformats.org/presentationml/2006/main">
+  <p:cSld>
+    <p:spTree>
+      <p:nvGrpSpPr>
+        <p:cNvPr id="1" name=""/>
+        <p:cNvGrpSpPr/>
+        <p:nvPr/>
+      </p:nvGrpSpPr>
+      <p:grpSpPr>
+        <a:xfrm>
+          <a:off x="0" y="0"/>
+          <a:ext cx="0" cy="0"/>
+          <a:chOff x="0" y="0"/>
+          <a:chExt cx="0" cy="0"/>
+        </a:xfrm>
+      </p:grpSpPr>
+      <p:sp>
+        <p:nvSpPr>
+          <p:cNvPr id="2" name="Title 1"/>
+          <p:cNvSpPr>
+            <a:spLocks noGrp="1"/>
+          </p:cNvSpPr>
+          <p:nvPr>
+            <p:ph type="title"/>
+          </p:nvPr>
+        </p:nvSpPr>
+        <p:spPr/>
+        <p:txBody>
+          <a:bodyPr/>
+          <a:lstStyle/>
+          <a:p>
+            <a:r>
+              <a:rPr lang="it-CH" dirty="0" smtClean="0"/>
+              <a:t>Prima versione</a:t>
+            </a:r>
+            <a:endParaRPr lang="it-CH" dirty="0"/>
+          </a:p>
+        </p:txBody>
+      </p:sp>
+      <p:pic>
+        <p:nvPicPr>
+          <p:cNvPr id="6" name="Content Placeholder 5"/>
+          <p:cNvPicPr>
+            <a:picLocks noGrp="1" noChangeAspect="1"/>
+          </p:cNvPicPr>
+          <p:nvPr>
+            <p:ph idx="1"/>
+          </p:nvPr>
+        </p:nvPicPr>
+        <p:blipFill>
+          <a:blip r:embed="rId2">
+            <a:extLst>
+              <a:ext uri="{28A0092B-C50C-407E-A947-70E740481C1C}">
+                <a14:useLocalDpi xmlns:a14="http://schemas.microsoft.com/office/drawing/2010/main" val="0"/>
+              </a:ext>
+            </a:extLst>
+          </a:blip>
+          <a:stretch>
+            <a:fillRect/>
+          </a:stretch>
+        </p:blipFill>
+        <p:spPr>
+          <a:xfrm>
+            <a:off x="645246" y="1270000"/>
+            <a:ext cx="8660844" cy="4181564"/>
+          </a:xfrm>
+          <a:prstGeom prst="rect">
+            <a:avLst/>
+          </a:prstGeom>
+          <a:ln>
+            <a:solidFill>
+              <a:srgbClr val="6F81AC"/>
+            </a:solidFill>
+          </a:ln>
+        </p:spPr>
+      </p:pic>
+    </p:spTree>
+    <p:extLst>
+      <p:ext uri="{BB962C8B-B14F-4D97-AF65-F5344CB8AC3E}">
+        <p14:creationId xmlns:p14="http://schemas.microsoft.com/office/powerpoint/2010/main" val="1358983702"/>
       </p:ext>
     </p:extLst>
   </p:cSld>

--- a/04_Documentazione/SAMTSTOCK.pptx
+++ b/04_Documentazione/SAMTSTOCK.pptx
@@ -5928,6 +5928,47 @@
           </a:ln>
         </p:spPr>
       </p:pic>
+      <p:sp>
+        <p:nvSpPr>
+          <p:cNvPr id="3" name="Rounded Rectangle 2"/>
+          <p:cNvSpPr/>
+          <p:nvPr/>
+        </p:nvSpPr>
+        <p:spPr>
+          <a:xfrm>
+            <a:off x="5477691" y="1628503"/>
+            <a:ext cx="1645920" cy="383177"/>
+          </a:xfrm>
+          <a:prstGeom prst="roundRect">
+            <a:avLst/>
+          </a:prstGeom>
+          <a:noFill/>
+        </p:spPr>
+        <p:style>
+          <a:lnRef idx="2">
+            <a:schemeClr val="accent1">
+              <a:shade val="50000"/>
+            </a:schemeClr>
+          </a:lnRef>
+          <a:fillRef idx="1">
+            <a:schemeClr val="accent1"/>
+          </a:fillRef>
+          <a:effectRef idx="0">
+            <a:schemeClr val="accent1"/>
+          </a:effectRef>
+          <a:fontRef idx="minor">
+            <a:schemeClr val="lt1"/>
+          </a:fontRef>
+        </p:style>
+        <p:txBody>
+          <a:bodyPr rtlCol="0" anchor="ctr"/>
+          <a:lstStyle/>
+          <a:p>
+            <a:pPr algn="ctr"/>
+            <a:endParaRPr lang="it-CH"/>
+          </a:p>
+        </p:txBody>
+      </p:sp>
     </p:spTree>
     <p:extLst>
       <p:ext uri="{BB962C8B-B14F-4D97-AF65-F5344CB8AC3E}">
@@ -5938,6 +5979,92 @@
   <p:clrMapOvr>
     <a:masterClrMapping/>
   </p:clrMapOvr>
+  <p:timing>
+    <p:tnLst>
+      <p:par>
+        <p:cTn id="1" dur="indefinite" restart="never" nodeType="tmRoot">
+          <p:childTnLst>
+            <p:seq concurrent="1" nextAc="seek">
+              <p:cTn id="2" dur="indefinite" nodeType="mainSeq">
+                <p:childTnLst>
+                  <p:par>
+                    <p:cTn id="3" fill="hold">
+                      <p:stCondLst>
+                        <p:cond delay="indefinite"/>
+                      </p:stCondLst>
+                      <p:childTnLst>
+                        <p:par>
+                          <p:cTn id="4" fill="hold">
+                            <p:stCondLst>
+                              <p:cond delay="0"/>
+                            </p:stCondLst>
+                            <p:childTnLst>
+                              <p:par>
+                                <p:cTn id="5" presetID="10" presetClass="entr" presetSubtype="0" fill="hold" grpId="0" nodeType="clickEffect">
+                                  <p:stCondLst>
+                                    <p:cond delay="0"/>
+                                  </p:stCondLst>
+                                  <p:childTnLst>
+                                    <p:set>
+                                      <p:cBhvr>
+                                        <p:cTn id="6" dur="1" fill="hold">
+                                          <p:stCondLst>
+                                            <p:cond delay="0"/>
+                                          </p:stCondLst>
+                                        </p:cTn>
+                                        <p:tgtEl>
+                                          <p:spTgt spid="3"/>
+                                        </p:tgtEl>
+                                        <p:attrNameLst>
+                                          <p:attrName>style.visibility</p:attrName>
+                                        </p:attrNameLst>
+                                      </p:cBhvr>
+                                      <p:to>
+                                        <p:strVal val="visible"/>
+                                      </p:to>
+                                    </p:set>
+                                    <p:animEffect transition="in" filter="fade">
+                                      <p:cBhvr>
+                                        <p:cTn id="7" dur="500"/>
+                                        <p:tgtEl>
+                                          <p:spTgt spid="3"/>
+                                        </p:tgtEl>
+                                      </p:cBhvr>
+                                    </p:animEffect>
+                                  </p:childTnLst>
+                                </p:cTn>
+                              </p:par>
+                            </p:childTnLst>
+                          </p:cTn>
+                        </p:par>
+                      </p:childTnLst>
+                    </p:cTn>
+                  </p:par>
+                </p:childTnLst>
+              </p:cTn>
+              <p:prevCondLst>
+                <p:cond evt="onPrev" delay="0">
+                  <p:tgtEl>
+                    <p:sldTgt/>
+                  </p:tgtEl>
+                </p:cond>
+              </p:prevCondLst>
+              <p:nextCondLst>
+                <p:cond evt="onNext" delay="0">
+                  <p:tgtEl>
+                    <p:sldTgt/>
+                  </p:tgtEl>
+                </p:cond>
+              </p:nextCondLst>
+            </p:seq>
+          </p:childTnLst>
+        </p:cTn>
+      </p:par>
+    </p:tnLst>
+    <p:bldLst>
+      <p:bldP spid="3" grpId="0" animBg="1"/>
+    </p:bldLst>
+  </p:timing>
 </p:sld>
 </file>
 
@@ -6887,7 +7014,35 @@
           <a:bodyPr/>
           <a:lstStyle/>
           <a:p>
-            <a:endParaRPr lang="it-CH"/>
+            <a:r>
+              <a:rPr lang="it-CH" dirty="0" smtClean="0"/>
+              <a:t>Gestione magazzino</a:t>
+            </a:r>
+          </a:p>
+          <a:p>
+            <a:endParaRPr lang="it-CH" dirty="0" smtClean="0"/>
+          </a:p>
+          <a:p>
+            <a:endParaRPr lang="it-CH" dirty="0" smtClean="0"/>
+          </a:p>
+          <a:p>
+            <a:r>
+              <a:rPr lang="it-CH" dirty="0" smtClean="0"/>
+              <a:t>Catalogazione prodotti</a:t>
+            </a:r>
+            <a:endParaRPr lang="it-CH" dirty="0"/>
+          </a:p>
+          <a:p>
+            <a:endParaRPr lang="it-CH" dirty="0" smtClean="0"/>
+          </a:p>
+          <a:p>
+            <a:endParaRPr lang="it-CH" dirty="0"/>
+          </a:p>
+          <a:p>
+            <a:r>
+              <a:rPr lang="it-CH" dirty="0" smtClean="0"/>
+              <a:t>Prenotazione prodotti</a:t>
+            </a:r>
           </a:p>
         </p:txBody>
       </p:sp>
